--- a/Function in python.pptx
+++ b/Function in python.pptx
@@ -250,7 +250,7 @@
           <a:p>
             <a:fld id="{50289CBF-D088-4E34-9F10-E60202A6E75F}" type="datetimeFigureOut">
               <a:rPr lang="en-US" smtClean="0"/>
-              <a:t>6/5/2019</a:t>
+              <a:t>6/12/2019</a:t>
             </a:fld>
             <a:endParaRPr lang="en-US"/>
           </a:p>
@@ -420,7 +420,7 @@
           <a:p>
             <a:fld id="{50289CBF-D088-4E34-9F10-E60202A6E75F}" type="datetimeFigureOut">
               <a:rPr lang="en-US" smtClean="0"/>
-              <a:t>6/5/2019</a:t>
+              <a:t>6/12/2019</a:t>
             </a:fld>
             <a:endParaRPr lang="en-US"/>
           </a:p>
@@ -600,7 +600,7 @@
           <a:p>
             <a:fld id="{50289CBF-D088-4E34-9F10-E60202A6E75F}" type="datetimeFigureOut">
               <a:rPr lang="en-US" smtClean="0"/>
-              <a:t>6/5/2019</a:t>
+              <a:t>6/12/2019</a:t>
             </a:fld>
             <a:endParaRPr lang="en-US"/>
           </a:p>
@@ -770,7 +770,7 @@
           <a:p>
             <a:fld id="{50289CBF-D088-4E34-9F10-E60202A6E75F}" type="datetimeFigureOut">
               <a:rPr lang="en-US" smtClean="0"/>
-              <a:t>6/5/2019</a:t>
+              <a:t>6/12/2019</a:t>
             </a:fld>
             <a:endParaRPr lang="en-US"/>
           </a:p>
@@ -1016,7 +1016,7 @@
           <a:p>
             <a:fld id="{50289CBF-D088-4E34-9F10-E60202A6E75F}" type="datetimeFigureOut">
               <a:rPr lang="en-US" smtClean="0"/>
-              <a:t>6/5/2019</a:t>
+              <a:t>6/12/2019</a:t>
             </a:fld>
             <a:endParaRPr lang="en-US"/>
           </a:p>
@@ -1248,7 +1248,7 @@
           <a:p>
             <a:fld id="{50289CBF-D088-4E34-9F10-E60202A6E75F}" type="datetimeFigureOut">
               <a:rPr lang="en-US" smtClean="0"/>
-              <a:t>6/5/2019</a:t>
+              <a:t>6/12/2019</a:t>
             </a:fld>
             <a:endParaRPr lang="en-US"/>
           </a:p>
@@ -1615,7 +1615,7 @@
           <a:p>
             <a:fld id="{50289CBF-D088-4E34-9F10-E60202A6E75F}" type="datetimeFigureOut">
               <a:rPr lang="en-US" smtClean="0"/>
-              <a:t>6/5/2019</a:t>
+              <a:t>6/12/2019</a:t>
             </a:fld>
             <a:endParaRPr lang="en-US"/>
           </a:p>
@@ -1733,7 +1733,7 @@
           <a:p>
             <a:fld id="{50289CBF-D088-4E34-9F10-E60202A6E75F}" type="datetimeFigureOut">
               <a:rPr lang="en-US" smtClean="0"/>
-              <a:t>6/5/2019</a:t>
+              <a:t>6/12/2019</a:t>
             </a:fld>
             <a:endParaRPr lang="en-US"/>
           </a:p>
@@ -1828,7 +1828,7 @@
           <a:p>
             <a:fld id="{50289CBF-D088-4E34-9F10-E60202A6E75F}" type="datetimeFigureOut">
               <a:rPr lang="en-US" smtClean="0"/>
-              <a:t>6/5/2019</a:t>
+              <a:t>6/12/2019</a:t>
             </a:fld>
             <a:endParaRPr lang="en-US"/>
           </a:p>
@@ -2105,7 +2105,7 @@
           <a:p>
             <a:fld id="{50289CBF-D088-4E34-9F10-E60202A6E75F}" type="datetimeFigureOut">
               <a:rPr lang="en-US" smtClean="0"/>
-              <a:t>6/5/2019</a:t>
+              <a:t>6/12/2019</a:t>
             </a:fld>
             <a:endParaRPr lang="en-US"/>
           </a:p>
@@ -2358,7 +2358,7 @@
           <a:p>
             <a:fld id="{50289CBF-D088-4E34-9F10-E60202A6E75F}" type="datetimeFigureOut">
               <a:rPr lang="en-US" smtClean="0"/>
-              <a:t>6/5/2019</a:t>
+              <a:t>6/12/2019</a:t>
             </a:fld>
             <a:endParaRPr lang="en-US"/>
           </a:p>
@@ -2571,7 +2571,7 @@
           <a:p>
             <a:fld id="{50289CBF-D088-4E34-9F10-E60202A6E75F}" type="datetimeFigureOut">
               <a:rPr lang="en-US" smtClean="0"/>
-              <a:t>6/5/2019</a:t>
+              <a:t>6/12/2019</a:t>
             </a:fld>
             <a:endParaRPr lang="en-US"/>
           </a:p>
@@ -4463,15 +4463,7 @@
             </a:pPr>
             <a:r>
               <a:rPr lang="en-US" dirty="0" smtClean="0"/>
-              <a:t>If X&gt;Y or </a:t>
-            </a:r>
-            <a:r>
-              <a:rPr lang="en-US" dirty="0" smtClean="0"/>
-              <a:t>X&gt;Z </a:t>
-            </a:r>
-            <a:r>
-              <a:rPr lang="en-US" dirty="0" smtClean="0"/>
-              <a:t>:</a:t>
+              <a:t>If X&gt;Y or X&gt;Z :</a:t>
             </a:r>
           </a:p>
           <a:p>
